--- a/project_3/Project_3_Kumeresh_Investing_vs_Entrepreneur.pptx
+++ b/project_3/Project_3_Kumeresh_Investing_vs_Entrepreneur.pptx
@@ -256,7 +256,7 @@
           <a:p>
             <a:fld id="{040EDBF2-920D-481E-AAF7-4FE56C9912A8}" type="datetimeFigureOut">
               <a:rPr lang="en-SG" smtClean="0"/>
-              <a:t>6/12/2020</a:t>
+              <a:t>7/12/2020</a:t>
             </a:fld>
             <a:endParaRPr lang="en-SG"/>
           </a:p>
@@ -568,10 +568,6 @@
           <a:bodyPr/>
           <a:lstStyle/>
           <a:p>
-            <a:r>
-              <a:rPr lang="en-US" dirty="0"/>
-              <a:t>There are posts that are from the investing subreddit. Sometimes, there are new users are not able to differentiate business ideas and business investing strategies. </a:t>
-            </a:r>
             <a:endParaRPr lang="en-SG" dirty="0"/>
           </a:p>
         </p:txBody>
@@ -593,7 +589,7 @@
           <a:p>
             <a:fld id="{5422E029-CE0B-48DE-9570-40AC4CB4A6BF}" type="slidenum">
               <a:rPr lang="en-SG" smtClean="0"/>
-              <a:t>3</a:t>
+              <a:t>1</a:t>
             </a:fld>
             <a:endParaRPr lang="en-SG"/>
           </a:p>
@@ -602,7 +598,7 @@
     </p:spTree>
     <p:extLst>
       <p:ext uri="{BB962C8B-B14F-4D97-AF65-F5344CB8AC3E}">
-        <p14:creationId xmlns:p14="http://schemas.microsoft.com/office/powerpoint/2010/main" val="1526883982"/>
+        <p14:creationId xmlns:p14="http://schemas.microsoft.com/office/powerpoint/2010/main" val="2042450636"/>
       </p:ext>
     </p:extLst>
   </p:cSld>
@@ -656,6 +652,100 @@
           <a:bodyPr/>
           <a:lstStyle/>
           <a:p>
+            <a:r>
+              <a:rPr lang="en-US" dirty="0"/>
+              <a:t>Confusion Matrix, breaking it down into actual numbers.</a:t>
+            </a:r>
+          </a:p>
+          <a:p>
+            <a:r>
+              <a:rPr lang="en-SG" dirty="0"/>
+              <a:t>All of them outperformed the baseline score of  0.58</a:t>
+            </a:r>
+            <a:endParaRPr lang="en-US" dirty="0"/>
+          </a:p>
+        </p:txBody>
+      </p:sp>
+      <p:sp>
+        <p:nvSpPr>
+          <p:cNvPr id="4" name="Slide Number Placeholder 3"/>
+          <p:cNvSpPr>
+            <a:spLocks noGrp="1"/>
+          </p:cNvSpPr>
+          <p:nvPr>
+            <p:ph type="sldNum" sz="quarter" idx="5"/>
+          </p:nvPr>
+        </p:nvSpPr>
+        <p:spPr/>
+        <p:txBody>
+          <a:bodyPr/>
+          <a:lstStyle/>
+          <a:p>
+            <a:fld id="{5422E029-CE0B-48DE-9570-40AC4CB4A6BF}" type="slidenum">
+              <a:rPr lang="en-SG" smtClean="0"/>
+              <a:t>14</a:t>
+            </a:fld>
+            <a:endParaRPr lang="en-SG"/>
+          </a:p>
+        </p:txBody>
+      </p:sp>
+    </p:spTree>
+    <p:extLst>
+      <p:ext uri="{BB962C8B-B14F-4D97-AF65-F5344CB8AC3E}">
+        <p14:creationId xmlns:p14="http://schemas.microsoft.com/office/powerpoint/2010/main" val="1508071979"/>
+      </p:ext>
+    </p:extLst>
+  </p:cSld>
+  <p:clrMapOvr>
+    <a:masterClrMapping/>
+  </p:clrMapOvr>
+</p:notes>
+</file>
+
+<file path=ppt/notesSlides/notesSlide11.xml><?xml version="1.0" encoding="utf-8"?>
+<p:notes xmlns:a="http://schemas.openxmlformats.org/drawingml/2006/main" xmlns:r="http://schemas.openxmlformats.org/officeDocument/2006/relationships" xmlns:p="http://schemas.openxmlformats.org/presentationml/2006/main">
+  <p:cSld>
+    <p:spTree>
+      <p:nvGrpSpPr>
+        <p:cNvPr id="1" name=""/>
+        <p:cNvGrpSpPr/>
+        <p:nvPr/>
+      </p:nvGrpSpPr>
+      <p:grpSpPr>
+        <a:xfrm>
+          <a:off x="0" y="0"/>
+          <a:ext cx="0" cy="0"/>
+          <a:chOff x="0" y="0"/>
+          <a:chExt cx="0" cy="0"/>
+        </a:xfrm>
+      </p:grpSpPr>
+      <p:sp>
+        <p:nvSpPr>
+          <p:cNvPr id="2" name="Slide Image Placeholder 1"/>
+          <p:cNvSpPr>
+            <a:spLocks noGrp="1" noRot="1" noChangeAspect="1"/>
+          </p:cNvSpPr>
+          <p:nvPr>
+            <p:ph type="sldImg"/>
+          </p:nvPr>
+        </p:nvSpPr>
+        <p:spPr/>
+      </p:sp>
+      <p:sp>
+        <p:nvSpPr>
+          <p:cNvPr id="3" name="Notes Placeholder 2"/>
+          <p:cNvSpPr>
+            <a:spLocks noGrp="1"/>
+          </p:cNvSpPr>
+          <p:nvPr>
+            <p:ph type="body" idx="1"/>
+          </p:nvPr>
+        </p:nvSpPr>
+        <p:spPr/>
+        <p:txBody>
+          <a:bodyPr/>
+          <a:lstStyle/>
+          <a:p>
             <a:pPr marL="0" marR="0" lvl="0" indent="0" algn="l" defTabSz="914400" rtl="0" eaLnBrk="1" fontAlgn="auto" latinLnBrk="0" hangingPunct="1">
               <a:lnSpc>
                 <a:spcPct val="100000"/>
@@ -726,7 +816,7 @@
 </p:notes>
 </file>
 
-<file path=ppt/notesSlides/notesSlide11.xml><?xml version="1.0" encoding="utf-8"?>
+<file path=ppt/notesSlides/notesSlide12.xml><?xml version="1.0" encoding="utf-8"?>
 <p:notes xmlns:a="http://schemas.openxmlformats.org/drawingml/2006/main" xmlns:r="http://schemas.openxmlformats.org/officeDocument/2006/relationships" xmlns:p="http://schemas.openxmlformats.org/presentationml/2006/main">
   <p:cSld>
     <p:spTree>
@@ -858,6 +948,10 @@
           <a:bodyPr/>
           <a:lstStyle/>
           <a:p>
+            <a:r>
+              <a:rPr lang="en-US" dirty="0"/>
+              <a:t>There are posts that are from the investing subreddit. Sometimes, there are new users are not able to differentiate business ideas and business investing strategies. </a:t>
+            </a:r>
             <a:endParaRPr lang="en-SG" dirty="0"/>
           </a:p>
         </p:txBody>
@@ -879,7 +973,7 @@
           <a:p>
             <a:fld id="{5422E029-CE0B-48DE-9570-40AC4CB4A6BF}" type="slidenum">
               <a:rPr lang="en-SG" smtClean="0"/>
-              <a:t>4</a:t>
+              <a:t>3</a:t>
             </a:fld>
             <a:endParaRPr lang="en-SG"/>
           </a:p>
@@ -888,7 +982,7 @@
     </p:spTree>
     <p:extLst>
       <p:ext uri="{BB962C8B-B14F-4D97-AF65-F5344CB8AC3E}">
-        <p14:creationId xmlns:p14="http://schemas.microsoft.com/office/powerpoint/2010/main" val="3061008530"/>
+        <p14:creationId xmlns:p14="http://schemas.microsoft.com/office/powerpoint/2010/main" val="1526883982"/>
       </p:ext>
     </p:extLst>
   </p:cSld>
@@ -942,20 +1036,6 @@
           <a:bodyPr/>
           <a:lstStyle/>
           <a:p>
-            <a:r>
-              <a:rPr lang="en-US" dirty="0"/>
-              <a:t>Stop words: Words that are common words</a:t>
-            </a:r>
-          </a:p>
-          <a:p>
-            <a:r>
-              <a:rPr lang="en-US" dirty="0" err="1"/>
-              <a:t>Lemmantizer</a:t>
-            </a:r>
-            <a:r>
-              <a:rPr lang="en-US" dirty="0"/>
-              <a:t>: To bring the word to their base form using a dictionary and retain the meaning of the words </a:t>
-            </a:r>
             <a:endParaRPr lang="en-SG" dirty="0"/>
           </a:p>
         </p:txBody>
@@ -977,7 +1057,7 @@
           <a:p>
             <a:fld id="{5422E029-CE0B-48DE-9570-40AC4CB4A6BF}" type="slidenum">
               <a:rPr lang="en-SG" smtClean="0"/>
-              <a:t>6</a:t>
+              <a:t>4</a:t>
             </a:fld>
             <a:endParaRPr lang="en-SG"/>
           </a:p>
@@ -986,7 +1066,7 @@
     </p:spTree>
     <p:extLst>
       <p:ext uri="{BB962C8B-B14F-4D97-AF65-F5344CB8AC3E}">
-        <p14:creationId xmlns:p14="http://schemas.microsoft.com/office/powerpoint/2010/main" val="684281138"/>
+        <p14:creationId xmlns:p14="http://schemas.microsoft.com/office/powerpoint/2010/main" val="3061008530"/>
       </p:ext>
     </p:extLst>
   </p:cSld>
@@ -1042,7 +1122,17 @@
           <a:p>
             <a:r>
               <a:rPr lang="en-US" dirty="0"/>
-              <a:t>The top words are unique ensuring that the models will not have issues differentiating the posts </a:t>
+              <a:t>Stop words: Words that are common words</a:t>
+            </a:r>
+          </a:p>
+          <a:p>
+            <a:r>
+              <a:rPr lang="en-US" dirty="0" err="1"/>
+              <a:t>Lemmantizer</a:t>
+            </a:r>
+            <a:r>
+              <a:rPr lang="en-US" dirty="0"/>
+              <a:t>: To bring the word to their base form using a dictionary and retain the meaning of the words </a:t>
             </a:r>
             <a:endParaRPr lang="en-SG" dirty="0"/>
           </a:p>
@@ -1065,7 +1155,7 @@
           <a:p>
             <a:fld id="{5422E029-CE0B-48DE-9570-40AC4CB4A6BF}" type="slidenum">
               <a:rPr lang="en-SG" smtClean="0"/>
-              <a:t>7</a:t>
+              <a:t>6</a:t>
             </a:fld>
             <a:endParaRPr lang="en-SG"/>
           </a:p>
@@ -1074,7 +1164,7 @@
     </p:spTree>
     <p:extLst>
       <p:ext uri="{BB962C8B-B14F-4D97-AF65-F5344CB8AC3E}">
-        <p14:creationId xmlns:p14="http://schemas.microsoft.com/office/powerpoint/2010/main" val="695974622"/>
+        <p14:creationId xmlns:p14="http://schemas.microsoft.com/office/powerpoint/2010/main" val="684281138"/>
       </p:ext>
     </p:extLst>
   </p:cSld>
@@ -1130,7 +1220,7 @@
           <a:p>
             <a:r>
               <a:rPr lang="en-US" dirty="0"/>
-              <a:t>Most users in both subreddit post during the late afternoon and evening.</a:t>
+              <a:t>The top words are unique ensuring that the models will not have issues differentiating the posts </a:t>
             </a:r>
             <a:endParaRPr lang="en-SG" dirty="0"/>
           </a:p>
@@ -1153,7 +1243,7 @@
           <a:p>
             <a:fld id="{5422E029-CE0B-48DE-9570-40AC4CB4A6BF}" type="slidenum">
               <a:rPr lang="en-SG" smtClean="0"/>
-              <a:t>8</a:t>
+              <a:t>7</a:t>
             </a:fld>
             <a:endParaRPr lang="en-SG"/>
           </a:p>
@@ -1162,7 +1252,7 @@
     </p:spTree>
     <p:extLst>
       <p:ext uri="{BB962C8B-B14F-4D97-AF65-F5344CB8AC3E}">
-        <p14:creationId xmlns:p14="http://schemas.microsoft.com/office/powerpoint/2010/main" val="1392395169"/>
+        <p14:creationId xmlns:p14="http://schemas.microsoft.com/office/powerpoint/2010/main" val="695974622"/>
       </p:ext>
     </p:extLst>
   </p:cSld>
@@ -1218,13 +1308,7 @@
           <a:p>
             <a:r>
               <a:rPr lang="en-US" dirty="0"/>
-              <a:t>Confusion Matrix, breaking it down into actual numbers.</a:t>
-            </a:r>
-          </a:p>
-          <a:p>
-            <a:r>
-              <a:rPr lang="en-US" dirty="0"/>
-              <a:t>Confusion matrix is for TFIDF as it’s the better score</a:t>
+              <a:t>Most users in both subreddit post during the late afternoon and evening.</a:t>
             </a:r>
             <a:endParaRPr lang="en-SG" dirty="0"/>
           </a:p>
@@ -1247,7 +1331,7 @@
           <a:p>
             <a:fld id="{5422E029-CE0B-48DE-9570-40AC4CB4A6BF}" type="slidenum">
               <a:rPr lang="en-SG" smtClean="0"/>
-              <a:t>11</a:t>
+              <a:t>8</a:t>
             </a:fld>
             <a:endParaRPr lang="en-SG"/>
           </a:p>
@@ -1256,7 +1340,7 @@
     </p:spTree>
     <p:extLst>
       <p:ext uri="{BB962C8B-B14F-4D97-AF65-F5344CB8AC3E}">
-        <p14:creationId xmlns:p14="http://schemas.microsoft.com/office/powerpoint/2010/main" val="2820658442"/>
+        <p14:creationId xmlns:p14="http://schemas.microsoft.com/office/powerpoint/2010/main" val="1392395169"/>
       </p:ext>
     </p:extLst>
   </p:cSld>
@@ -1312,7 +1396,13 @@
           <a:p>
             <a:r>
               <a:rPr lang="en-US" dirty="0"/>
-              <a:t>Words such as business are shown to have strong coefficient values.</a:t>
+              <a:t>Confusion Matrix, breaking it down into actual numbers.</a:t>
+            </a:r>
+          </a:p>
+          <a:p>
+            <a:r>
+              <a:rPr lang="en-US" dirty="0"/>
+              <a:t>Confusion matrix is for TFIDF as it’s the better score</a:t>
             </a:r>
             <a:endParaRPr lang="en-SG" dirty="0"/>
           </a:p>
@@ -1335,7 +1425,7 @@
           <a:p>
             <a:fld id="{5422E029-CE0B-48DE-9570-40AC4CB4A6BF}" type="slidenum">
               <a:rPr lang="en-SG" smtClean="0"/>
-              <a:t>12</a:t>
+              <a:t>11</a:t>
             </a:fld>
             <a:endParaRPr lang="en-SG"/>
           </a:p>
@@ -1344,7 +1434,7 @@
     </p:spTree>
     <p:extLst>
       <p:ext uri="{BB962C8B-B14F-4D97-AF65-F5344CB8AC3E}">
-        <p14:creationId xmlns:p14="http://schemas.microsoft.com/office/powerpoint/2010/main" val="3092015927"/>
+        <p14:creationId xmlns:p14="http://schemas.microsoft.com/office/powerpoint/2010/main" val="2820658442"/>
       </p:ext>
     </p:extLst>
   </p:cSld>
@@ -1400,7 +1490,7 @@
           <a:p>
             <a:r>
               <a:rPr lang="en-US" dirty="0"/>
-              <a:t>Example: For every unit increase in the business token, the post is 3.1 times likely to represent the entrepreneur class.</a:t>
+              <a:t>Words such as business are shown to have strong coefficient values.</a:t>
             </a:r>
             <a:endParaRPr lang="en-SG" dirty="0"/>
           </a:p>
@@ -1423,7 +1513,7 @@
           <a:p>
             <a:fld id="{5422E029-CE0B-48DE-9570-40AC4CB4A6BF}" type="slidenum">
               <a:rPr lang="en-SG" smtClean="0"/>
-              <a:t>13</a:t>
+              <a:t>12</a:t>
             </a:fld>
             <a:endParaRPr lang="en-SG"/>
           </a:p>
@@ -1432,7 +1522,7 @@
     </p:spTree>
     <p:extLst>
       <p:ext uri="{BB962C8B-B14F-4D97-AF65-F5344CB8AC3E}">
-        <p14:creationId xmlns:p14="http://schemas.microsoft.com/office/powerpoint/2010/main" val="1600089668"/>
+        <p14:creationId xmlns:p14="http://schemas.microsoft.com/office/powerpoint/2010/main" val="3092015927"/>
       </p:ext>
     </p:extLst>
   </p:cSld>
@@ -1488,15 +1578,9 @@
           <a:p>
             <a:r>
               <a:rPr lang="en-US" dirty="0"/>
-              <a:t>Confusion Matrix, breaking it down into actual numbers.</a:t>
-            </a:r>
-          </a:p>
-          <a:p>
-            <a:r>
-              <a:rPr lang="en-SG" dirty="0"/>
-              <a:t>All of them outperformed the baseline score of  0.58</a:t>
-            </a:r>
-            <a:endParaRPr lang="en-US" dirty="0"/>
+              <a:t>Example: For every unit increase in the business token, the post is 3.1 times likely to represent the entrepreneur class.</a:t>
+            </a:r>
+            <a:endParaRPr lang="en-SG" dirty="0"/>
           </a:p>
         </p:txBody>
       </p:sp>
@@ -1517,7 +1601,7 @@
           <a:p>
             <a:fld id="{5422E029-CE0B-48DE-9570-40AC4CB4A6BF}" type="slidenum">
               <a:rPr lang="en-SG" smtClean="0"/>
-              <a:t>14</a:t>
+              <a:t>13</a:t>
             </a:fld>
             <a:endParaRPr lang="en-SG"/>
           </a:p>
@@ -1526,7 +1610,7 @@
     </p:spTree>
     <p:extLst>
       <p:ext uri="{BB962C8B-B14F-4D97-AF65-F5344CB8AC3E}">
-        <p14:creationId xmlns:p14="http://schemas.microsoft.com/office/powerpoint/2010/main" val="1508071979"/>
+        <p14:creationId xmlns:p14="http://schemas.microsoft.com/office/powerpoint/2010/main" val="1600089668"/>
       </p:ext>
     </p:extLst>
   </p:cSld>
@@ -1780,7 +1864,7 @@
           <a:p>
             <a:fld id="{9184DA70-C731-4C70-880D-CCD4705E623C}" type="datetime1">
               <a:rPr lang="en-US" smtClean="0"/>
-              <a:t>12/6/2020</a:t>
+              <a:t>12/7/2020</a:t>
             </a:fld>
             <a:endParaRPr lang="en-US" dirty="0"/>
           </a:p>
@@ -1850,14 +1934,6 @@
   <p:clrMapOvr>
     <a:masterClrMapping/>
   </p:clrMapOvr>
-  <mc:AlternateContent xmlns:mc="http://schemas.openxmlformats.org/markup-compatibility/2006">
-    <mc:Choice xmlns:p14="http://schemas.microsoft.com/office/powerpoint/2010/main" Requires="p14">
-      <p:transition spd="slow" p14:dur="2000" advTm="15000"/>
-    </mc:Choice>
-    <mc:Fallback>
-      <p:transition spd="slow" advTm="15000"/>
-    </mc:Fallback>
-  </mc:AlternateContent>
 </p:sldLayout>
 </file>
 
@@ -1976,7 +2052,7 @@
           <a:p>
             <a:fld id="{B612A279-0833-481D-8C56-F67FD0AC6C50}" type="datetime1">
               <a:rPr lang="en-US" smtClean="0"/>
-              <a:t>12/6/2020</a:t>
+              <a:t>12/7/2020</a:t>
             </a:fld>
             <a:endParaRPr lang="en-US" dirty="0"/>
           </a:p>
@@ -2046,14 +2122,6 @@
   <p:clrMapOvr>
     <a:masterClrMapping/>
   </p:clrMapOvr>
-  <mc:AlternateContent xmlns:mc="http://schemas.openxmlformats.org/markup-compatibility/2006">
-    <mc:Choice xmlns:p14="http://schemas.microsoft.com/office/powerpoint/2010/main" Requires="p14">
-      <p:transition spd="slow" p14:dur="2000" advTm="15000"/>
-    </mc:Choice>
-    <mc:Fallback>
-      <p:transition spd="slow" advTm="15000"/>
-    </mc:Fallback>
-  </mc:AlternateContent>
 </p:sldLayout>
 </file>
 
@@ -2226,7 +2294,7 @@
           <a:p>
             <a:fld id="{6587DA83-5663-4C9C-B9AA-0B40A3DAFF81}" type="datetime1">
               <a:rPr lang="en-US" smtClean="0"/>
-              <a:t>12/6/2020</a:t>
+              <a:t>12/7/2020</a:t>
             </a:fld>
             <a:endParaRPr lang="en-US" dirty="0"/>
           </a:p>
@@ -2296,14 +2364,6 @@
   <p:clrMapOvr>
     <a:masterClrMapping/>
   </p:clrMapOvr>
-  <mc:AlternateContent xmlns:mc="http://schemas.openxmlformats.org/markup-compatibility/2006">
-    <mc:Choice xmlns:p14="http://schemas.microsoft.com/office/powerpoint/2010/main" Requires="p14">
-      <p:transition spd="slow" p14:dur="2000" advTm="15000"/>
-    </mc:Choice>
-    <mc:Fallback>
-      <p:transition spd="slow" advTm="15000"/>
-    </mc:Fallback>
-  </mc:AlternateContent>
 </p:sldLayout>
 </file>
 
@@ -2422,7 +2482,7 @@
           <a:p>
             <a:fld id="{4BE1D723-8F53-4F53-90B0-1982A396982E}" type="datetime1">
               <a:rPr lang="en-US" smtClean="0"/>
-              <a:t>12/6/2020</a:t>
+              <a:t>12/7/2020</a:t>
             </a:fld>
             <a:endParaRPr lang="en-US" dirty="0"/>
           </a:p>
@@ -2492,14 +2552,6 @@
   <p:clrMapOvr>
     <a:masterClrMapping/>
   </p:clrMapOvr>
-  <mc:AlternateContent xmlns:mc="http://schemas.openxmlformats.org/markup-compatibility/2006">
-    <mc:Choice xmlns:p14="http://schemas.microsoft.com/office/powerpoint/2010/main" Requires="p14">
-      <p:transition spd="slow" p14:dur="2000" advTm="15000"/>
-    </mc:Choice>
-    <mc:Fallback>
-      <p:transition spd="slow" advTm="15000"/>
-    </mc:Fallback>
-  </mc:AlternateContent>
 </p:sldLayout>
 </file>
 
@@ -2803,7 +2855,7 @@
           <a:p>
             <a:fld id="{97669AF7-7BEB-44E4-9852-375E34362B5B}" type="datetime1">
               <a:rPr lang="en-US" smtClean="0"/>
-              <a:t>12/6/2020</a:t>
+              <a:t>12/7/2020</a:t>
             </a:fld>
             <a:endParaRPr lang="en-US" dirty="0"/>
           </a:p>
@@ -2873,14 +2925,6 @@
   <p:clrMapOvr>
     <a:masterClrMapping/>
   </p:clrMapOvr>
-  <mc:AlternateContent xmlns:mc="http://schemas.openxmlformats.org/markup-compatibility/2006">
-    <mc:Choice xmlns:p14="http://schemas.microsoft.com/office/powerpoint/2010/main" Requires="p14">
-      <p:transition spd="slow" p14:dur="2000" advTm="15000"/>
-    </mc:Choice>
-    <mc:Fallback>
-      <p:transition spd="slow" advTm="15000"/>
-    </mc:Fallback>
-  </mc:AlternateContent>
 </p:sldLayout>
 </file>
 
@@ -3066,7 +3110,7 @@
           <a:p>
             <a:fld id="{BAAAC38D-0552-4C82-B593-E6124DFADBE2}" type="datetime1">
               <a:rPr lang="en-US" smtClean="0"/>
-              <a:t>12/6/2020</a:t>
+              <a:t>12/7/2020</a:t>
             </a:fld>
             <a:endParaRPr lang="en-US" dirty="0"/>
           </a:p>
@@ -3136,14 +3180,6 @@
   <p:clrMapOvr>
     <a:masterClrMapping/>
   </p:clrMapOvr>
-  <mc:AlternateContent xmlns:mc="http://schemas.openxmlformats.org/markup-compatibility/2006">
-    <mc:Choice xmlns:p14="http://schemas.microsoft.com/office/powerpoint/2010/main" Requires="p14">
-      <p:transition spd="slow" p14:dur="2000" advTm="15000"/>
-    </mc:Choice>
-    <mc:Fallback>
-      <p:transition spd="slow" advTm="15000"/>
-    </mc:Fallback>
-  </mc:AlternateContent>
 </p:sldLayout>
 </file>
 
@@ -3471,7 +3507,7 @@
           <a:p>
             <a:fld id="{D9DF0F1C-5577-4ACB-BB62-DF8F3C494C7E}" type="datetime1">
               <a:rPr lang="en-US" smtClean="0"/>
-              <a:t>12/6/2020</a:t>
+              <a:t>12/7/2020</a:t>
             </a:fld>
             <a:endParaRPr lang="en-US" dirty="0"/>
           </a:p>
@@ -3541,14 +3577,6 @@
   <p:clrMapOvr>
     <a:masterClrMapping/>
   </p:clrMapOvr>
-  <mc:AlternateContent xmlns:mc="http://schemas.openxmlformats.org/markup-compatibility/2006">
-    <mc:Choice xmlns:p14="http://schemas.microsoft.com/office/powerpoint/2010/main" Requires="p14">
-      <p:transition spd="slow" p14:dur="2000" advTm="15000"/>
-    </mc:Choice>
-    <mc:Fallback>
-      <p:transition spd="slow" advTm="15000"/>
-    </mc:Fallback>
-  </mc:AlternateContent>
 </p:sldLayout>
 </file>
 
@@ -3615,7 +3643,7 @@
           <a:p>
             <a:fld id="{1775B394-D9F9-4F0C-B15D-605F45CB9E9F}" type="datetime1">
               <a:rPr lang="en-US" smtClean="0"/>
-              <a:t>12/6/2020</a:t>
+              <a:t>12/7/2020</a:t>
             </a:fld>
             <a:endParaRPr lang="en-US" dirty="0"/>
           </a:p>
@@ -3685,14 +3713,6 @@
   <p:clrMapOvr>
     <a:masterClrMapping/>
   </p:clrMapOvr>
-  <mc:AlternateContent xmlns:mc="http://schemas.openxmlformats.org/markup-compatibility/2006">
-    <mc:Choice xmlns:p14="http://schemas.microsoft.com/office/powerpoint/2010/main" Requires="p14">
-      <p:transition spd="slow" p14:dur="2000" advTm="15000"/>
-    </mc:Choice>
-    <mc:Fallback>
-      <p:transition spd="slow" advTm="15000"/>
-    </mc:Fallback>
-  </mc:AlternateContent>
 </p:sldLayout>
 </file>
 
@@ -3780,7 +3800,7 @@
           <a:p>
             <a:fld id="{39667345-2558-425A-8533-9BFDBCE15005}" type="datetime1">
               <a:rPr lang="en-US" smtClean="0"/>
-              <a:t>12/6/2020</a:t>
+              <a:t>12/7/2020</a:t>
             </a:fld>
             <a:endParaRPr lang="en-US" dirty="0"/>
           </a:p>
@@ -3850,14 +3870,6 @@
   <p:clrMapOvr>
     <a:masterClrMapping/>
   </p:clrMapOvr>
-  <mc:AlternateContent xmlns:mc="http://schemas.openxmlformats.org/markup-compatibility/2006">
-    <mc:Choice xmlns:p14="http://schemas.microsoft.com/office/powerpoint/2010/main" Requires="p14">
-      <p:transition spd="slow" p14:dur="2000" advTm="15000"/>
-    </mc:Choice>
-    <mc:Fallback>
-      <p:transition spd="slow" advTm="15000"/>
-    </mc:Fallback>
-  </mc:AlternateContent>
 </p:sldLayout>
 </file>
 
@@ -4117,7 +4129,7 @@
           <a:p>
             <a:fld id="{92BEA474-078D-4E9B-9B14-09A87B19DC46}" type="datetime1">
               <a:rPr lang="en-US" smtClean="0"/>
-              <a:t>12/6/2020</a:t>
+              <a:t>12/7/2020</a:t>
             </a:fld>
             <a:endParaRPr lang="en-US" dirty="0"/>
           </a:p>
@@ -4197,14 +4209,6 @@
   <p:clrMapOvr>
     <a:masterClrMapping/>
   </p:clrMapOvr>
-  <mc:AlternateContent xmlns:mc="http://schemas.openxmlformats.org/markup-compatibility/2006">
-    <mc:Choice xmlns:p14="http://schemas.microsoft.com/office/powerpoint/2010/main" Requires="p14">
-      <p:transition spd="slow" p14:dur="2000" advTm="15000"/>
-    </mc:Choice>
-    <mc:Fallback>
-      <p:transition spd="slow" advTm="15000"/>
-    </mc:Fallback>
-  </mc:AlternateContent>
 </p:sldLayout>
 </file>
 
@@ -4475,7 +4479,7 @@
           <a:p>
             <a:fld id="{4907D986-8816-4272-A432-0437A28A9828}" type="datetime1">
               <a:rPr lang="en-US" smtClean="0"/>
-              <a:t>12/6/2020</a:t>
+              <a:t>12/7/2020</a:t>
             </a:fld>
             <a:endParaRPr lang="en-US" dirty="0"/>
           </a:p>
@@ -4539,14 +4543,6 @@
   <p:clrMapOvr>
     <a:masterClrMapping/>
   </p:clrMapOvr>
-  <mc:AlternateContent xmlns:mc="http://schemas.openxmlformats.org/markup-compatibility/2006">
-    <mc:Choice xmlns:p14="http://schemas.microsoft.com/office/powerpoint/2010/main" Requires="p14">
-      <p:transition spd="slow" p14:dur="2000" advTm="15000"/>
-    </mc:Choice>
-    <mc:Fallback>
-      <p:transition spd="slow" advTm="15000"/>
-    </mc:Fallback>
-  </mc:AlternateContent>
 </p:sldLayout>
 </file>
 
@@ -4744,7 +4740,7 @@
           <a:p>
             <a:fld id="{62D6E202-B606-4609-B914-27C9371A1F6D}" type="datetime1">
               <a:rPr lang="en-US" smtClean="0"/>
-              <a:t>12/6/2020</a:t>
+              <a:t>12/7/2020</a:t>
             </a:fld>
             <a:endParaRPr lang="en-US" dirty="0"/>
           </a:p>
@@ -4889,14 +4885,6 @@
     <p:sldLayoutId id="2147483736" r:id="rId10"/>
     <p:sldLayoutId id="2147483737" r:id="rId11"/>
   </p:sldLayoutIdLst>
-  <mc:AlternateContent xmlns:mc="http://schemas.openxmlformats.org/markup-compatibility/2006">
-    <mc:Choice xmlns:p14="http://schemas.microsoft.com/office/powerpoint/2010/main" Requires="p14">
-      <p:transition spd="slow" p14:dur="2000" advTm="15000"/>
-    </mc:Choice>
-    <mc:Fallback>
-      <p:transition spd="slow" advTm="15000"/>
-    </mc:Fallback>
-  </mc:AlternateContent>
   <p:hf sldNum="0" hdr="0" ftr="0" dt="0"/>
   <p:txStyles>
     <p:titleStyle>
@@ -5406,14 +5394,17 @@
           </a:bodyPr>
           <a:lstStyle/>
           <a:p>
-            <a:endParaRPr lang="en-US" sz="2400" dirty="0">
-              <a:solidFill>
-                <a:schemeClr val="tx1">
-                  <a:lumMod val="85000"/>
-                  <a:lumOff val="15000"/>
-                </a:schemeClr>
-              </a:solidFill>
-            </a:endParaRPr>
+            <a:r>
+              <a:rPr lang="en-US" sz="2400" spc="0" dirty="0">
+                <a:solidFill>
+                  <a:schemeClr val="tx1">
+                    <a:lumMod val="85000"/>
+                    <a:lumOff val="15000"/>
+                  </a:schemeClr>
+                </a:solidFill>
+              </a:rPr>
+              <a:t>By N Kumeresh, DSI 18</a:t>
+            </a:r>
           </a:p>
         </p:txBody>
       </p:sp>
@@ -5432,7 +5423,7 @@
           <p:nvPr/>
         </p:nvPicPr>
         <p:blipFill rotWithShape="1">
-          <a:blip r:embed="rId2">
+          <a:blip r:embed="rId3">
             <a:extLst>
               <a:ext uri="{28A0092B-C50C-407E-A947-70E740481C1C}">
                 <a14:useLocalDpi xmlns:a14="http://schemas.microsoft.com/office/drawing/2010/main" val="0"/>
@@ -5507,6 +5498,53 @@
           </a:fontRef>
         </p:style>
       </p:cxnSp>
+      <p:pic>
+        <p:nvPicPr>
+          <p:cNvPr id="1026" name="Picture 2">
+            <a:extLst>
+              <a:ext uri="{FF2B5EF4-FFF2-40B4-BE49-F238E27FC236}">
+                <a16:creationId xmlns:a16="http://schemas.microsoft.com/office/drawing/2014/main" id="{2A336A9F-4C3D-4FF7-BE30-D18E32993871}"/>
+              </a:ext>
+            </a:extLst>
+          </p:cNvPr>
+          <p:cNvPicPr>
+            <a:picLocks noChangeAspect="1" noChangeArrowheads="1"/>
+          </p:cNvPicPr>
+          <p:nvPr/>
+        </p:nvPicPr>
+        <p:blipFill>
+          <a:blip r:embed="rId4">
+            <a:extLst>
+              <a:ext uri="{28A0092B-C50C-407E-A947-70E740481C1C}">
+                <a14:useLocalDpi xmlns:a14="http://schemas.microsoft.com/office/drawing/2010/main" val="0"/>
+              </a:ext>
+            </a:extLst>
+          </a:blip>
+          <a:srcRect/>
+          <a:stretch>
+            <a:fillRect/>
+          </a:stretch>
+        </p:blipFill>
+        <p:spPr bwMode="auto">
+          <a:xfrm>
+            <a:off x="8866003" y="5153882"/>
+            <a:ext cx="2838450" cy="1524000"/>
+          </a:xfrm>
+          <a:prstGeom prst="rect">
+            <a:avLst/>
+          </a:prstGeom>
+          <a:noFill/>
+          <a:extLst>
+            <a:ext uri="{909E8E84-426E-40DD-AFC4-6F175D3DCCD1}">
+              <a14:hiddenFill xmlns:a14="http://schemas.microsoft.com/office/drawing/2010/main">
+                <a:solidFill>
+                  <a:srgbClr val="FFFFFF"/>
+                </a:solidFill>
+              </a14:hiddenFill>
+            </a:ext>
+          </a:extLst>
+        </p:spPr>
+      </p:pic>
     </p:spTree>
     <p:extLst>
       <p:ext uri="{BB962C8B-B14F-4D97-AF65-F5344CB8AC3E}">
@@ -5517,14 +5555,6 @@
   <p:clrMapOvr>
     <a:masterClrMapping/>
   </p:clrMapOvr>
-  <mc:AlternateContent xmlns:mc="http://schemas.openxmlformats.org/markup-compatibility/2006">
-    <mc:Choice xmlns:p14="http://schemas.microsoft.com/office/powerpoint/2010/main" Requires="p14">
-      <p:transition spd="slow" p14:dur="2000" advTm="15000"/>
-    </mc:Choice>
-    <mc:Fallback>
-      <p:transition spd="slow" advTm="15000"/>
-    </mc:Fallback>
-  </mc:AlternateContent>
 </p:sld>
 </file>
 
@@ -5684,14 +5714,6 @@
   <p:clrMapOvr>
     <a:masterClrMapping/>
   </p:clrMapOvr>
-  <mc:AlternateContent xmlns:mc="http://schemas.openxmlformats.org/markup-compatibility/2006">
-    <mc:Choice xmlns:p14="http://schemas.microsoft.com/office/powerpoint/2010/main" Requires="p14">
-      <p:transition spd="slow" p14:dur="2000" advTm="15000"/>
-    </mc:Choice>
-    <mc:Fallback>
-      <p:transition spd="slow" advTm="15000"/>
-    </mc:Fallback>
-  </mc:AlternateContent>
 </p:sld>
 </file>
 
@@ -6676,14 +6698,6 @@
   <p:clrMapOvr>
     <a:masterClrMapping/>
   </p:clrMapOvr>
-  <mc:AlternateContent xmlns:mc="http://schemas.openxmlformats.org/markup-compatibility/2006">
-    <mc:Choice xmlns:p14="http://schemas.microsoft.com/office/powerpoint/2010/main" Requires="p14">
-      <p:transition spd="slow" p14:dur="2000" advTm="15000"/>
-    </mc:Choice>
-    <mc:Fallback>
-      <p:transition spd="slow" advTm="15000"/>
-    </mc:Fallback>
-  </mc:AlternateContent>
 </p:sld>
 </file>
 
@@ -7140,14 +7154,6 @@
   <p:clrMapOvr>
     <a:masterClrMapping/>
   </p:clrMapOvr>
-  <mc:AlternateContent xmlns:mc="http://schemas.openxmlformats.org/markup-compatibility/2006">
-    <mc:Choice xmlns:p14="http://schemas.microsoft.com/office/powerpoint/2010/main" Requires="p14">
-      <p:transition p14:dur="0" advTm="15000"/>
-    </mc:Choice>
-    <mc:Fallback>
-      <p:transition advTm="15000"/>
-    </mc:Fallback>
-  </mc:AlternateContent>
 </p:sld>
 </file>
 
@@ -8255,14 +8261,6 @@
   <p:clrMapOvr>
     <a:masterClrMapping/>
   </p:clrMapOvr>
-  <mc:AlternateContent xmlns:mc="http://schemas.openxmlformats.org/markup-compatibility/2006">
-    <mc:Choice xmlns:p14="http://schemas.microsoft.com/office/powerpoint/2010/main" Requires="p14">
-      <p:transition spd="slow" p14:dur="2000" advTm="15000"/>
-    </mc:Choice>
-    <mc:Fallback>
-      <p:transition spd="slow" advTm="15000"/>
-    </mc:Fallback>
-  </mc:AlternateContent>
 </p:sld>
 </file>
 
@@ -9252,14 +9250,6 @@
   <p:clrMapOvr>
     <a:masterClrMapping/>
   </p:clrMapOvr>
-  <mc:AlternateContent xmlns:mc="http://schemas.openxmlformats.org/markup-compatibility/2006">
-    <mc:Choice xmlns:p14="http://schemas.microsoft.com/office/powerpoint/2010/main" Requires="p14">
-      <p:transition spd="slow" p14:dur="2000" advTm="15000"/>
-    </mc:Choice>
-    <mc:Fallback>
-      <p:transition spd="slow" advTm="15000"/>
-    </mc:Fallback>
-  </mc:AlternateContent>
 </p:sld>
 </file>
 
@@ -10524,14 +10514,6 @@
   <p:clrMapOvr>
     <a:masterClrMapping/>
   </p:clrMapOvr>
-  <mc:AlternateContent xmlns:mc="http://schemas.openxmlformats.org/markup-compatibility/2006">
-    <mc:Choice xmlns:p14="http://schemas.microsoft.com/office/powerpoint/2010/main" Requires="p14">
-      <p:transition spd="slow" p14:dur="2000" advTm="15000"/>
-    </mc:Choice>
-    <mc:Fallback>
-      <p:transition spd="slow" advTm="15000"/>
-    </mc:Fallback>
-  </mc:AlternateContent>
 </p:sld>
 </file>
 
@@ -10631,7 +10613,15 @@
             </a:pPr>
             <a:r>
               <a:rPr lang="en-SG" dirty="0"/>
-              <a:t>Although both models showed comparable performance, Multi-nominal Naïve Bayes (MNNB) performed slightly better than Logistics Regression with a test set accuracy score of 0.9428 while the Logistics Regression test had a score of 0.9336.</a:t>
+              <a:t>Although both models showed comparable performance, </a:t>
+            </a:r>
+            <a:r>
+              <a:rPr lang="en-SG" b="1" dirty="0"/>
+              <a:t>Multi-nominal Naïve Bayes (MNNB)</a:t>
+            </a:r>
+            <a:r>
+              <a:rPr lang="en-SG" dirty="0"/>
+              <a:t> performed slightly better than Logistics Regression with a test set accuracy score of 0.9428 while the Logistics Regression test had a score of 0.9336.</a:t>
             </a:r>
           </a:p>
           <a:p>
@@ -10673,14 +10663,6 @@
   <p:clrMapOvr>
     <a:masterClrMapping/>
   </p:clrMapOvr>
-  <mc:AlternateContent xmlns:mc="http://schemas.openxmlformats.org/markup-compatibility/2006">
-    <mc:Choice xmlns:p14="http://schemas.microsoft.com/office/powerpoint/2010/main" Requires="p14">
-      <p:transition spd="slow" p14:dur="2000" advTm="15000"/>
-    </mc:Choice>
-    <mc:Fallback>
-      <p:transition spd="slow" advTm="15000"/>
-    </mc:Fallback>
-  </mc:AlternateContent>
 </p:sld>
 </file>
 
@@ -10765,14 +10747,6 @@
   <p:clrMapOvr>
     <a:masterClrMapping/>
   </p:clrMapOvr>
-  <mc:AlternateContent xmlns:mc="http://schemas.openxmlformats.org/markup-compatibility/2006">
-    <mc:Choice xmlns:p14="http://schemas.microsoft.com/office/powerpoint/2010/main" Requires="p14">
-      <p:transition spd="slow" p14:dur="2000" advTm="15000"/>
-    </mc:Choice>
-    <mc:Fallback>
-      <p:transition spd="slow" advTm="15000"/>
-    </mc:Fallback>
-  </mc:AlternateContent>
 </p:sld>
 </file>
 
@@ -12299,14 +12273,6 @@
   <p:clrMapOvr>
     <a:masterClrMapping/>
   </p:clrMapOvr>
-  <mc:AlternateContent xmlns:mc="http://schemas.openxmlformats.org/markup-compatibility/2006">
-    <mc:Choice xmlns:p14="http://schemas.microsoft.com/office/powerpoint/2010/main" Requires="p14">
-      <p:transition spd="slow" p14:dur="2000" advTm="15000"/>
-    </mc:Choice>
-    <mc:Fallback>
-      <p:transition spd="slow" advTm="15000"/>
-    </mc:Fallback>
-  </mc:AlternateContent>
 </p:sld>
 </file>
 
@@ -12502,14 +12468,6 @@
   <p:clrMapOvr>
     <a:masterClrMapping/>
   </p:clrMapOvr>
-  <mc:AlternateContent xmlns:mc="http://schemas.openxmlformats.org/markup-compatibility/2006">
-    <mc:Choice xmlns:p14="http://schemas.microsoft.com/office/powerpoint/2010/main" Requires="p14">
-      <p:transition spd="slow" p14:dur="2000" advTm="15000"/>
-    </mc:Choice>
-    <mc:Fallback>
-      <p:transition spd="slow" advTm="15000"/>
-    </mc:Fallback>
-  </mc:AlternateContent>
 </p:sld>
 </file>
 
@@ -12665,14 +12623,6 @@
   <p:clrMapOvr>
     <a:masterClrMapping/>
   </p:clrMapOvr>
-  <mc:AlternateContent xmlns:mc="http://schemas.openxmlformats.org/markup-compatibility/2006">
-    <mc:Choice xmlns:p14="http://schemas.microsoft.com/office/powerpoint/2010/main" Requires="p14">
-      <p:transition spd="slow" p14:dur="2000" advTm="15000"/>
-    </mc:Choice>
-    <mc:Fallback>
-      <p:transition spd="slow" advTm="15000"/>
-    </mc:Fallback>
-  </mc:AlternateContent>
 </p:sld>
 </file>
 
@@ -12847,14 +12797,6 @@
   <p:clrMapOvr>
     <a:masterClrMapping/>
   </p:clrMapOvr>
-  <mc:AlternateContent xmlns:mc="http://schemas.openxmlformats.org/markup-compatibility/2006">
-    <mc:Choice xmlns:p14="http://schemas.microsoft.com/office/powerpoint/2010/main" Requires="p14">
-      <p:transition spd="slow" p14:dur="2000" advTm="15000"/>
-    </mc:Choice>
-    <mc:Fallback>
-      <p:transition spd="slow" advTm="15000"/>
-    </mc:Fallback>
-  </mc:AlternateContent>
 </p:sld>
 </file>
 
@@ -13021,14 +12963,6 @@
   <p:clrMapOvr>
     <a:masterClrMapping/>
   </p:clrMapOvr>
-  <mc:AlternateContent xmlns:mc="http://schemas.openxmlformats.org/markup-compatibility/2006">
-    <mc:Choice xmlns:p14="http://schemas.microsoft.com/office/powerpoint/2010/main" Requires="p14">
-      <p:transition spd="slow" p14:dur="2000" advTm="15000"/>
-    </mc:Choice>
-    <mc:Fallback>
-      <p:transition spd="slow" advTm="15000"/>
-    </mc:Fallback>
-  </mc:AlternateContent>
 </p:sld>
 </file>
 
@@ -13430,14 +13364,6 @@
   <p:clrMapOvr>
     <a:masterClrMapping/>
   </p:clrMapOvr>
-  <mc:AlternateContent xmlns:mc="http://schemas.openxmlformats.org/markup-compatibility/2006">
-    <mc:Choice xmlns:p14="http://schemas.microsoft.com/office/powerpoint/2010/main" Requires="p14">
-      <p:transition spd="slow" p14:dur="2000" advTm="15000"/>
-    </mc:Choice>
-    <mc:Fallback>
-      <p:transition spd="slow" advTm="15000"/>
-    </mc:Fallback>
-  </mc:AlternateContent>
 </p:sld>
 </file>
 
@@ -13528,10 +13454,10 @@
       </p:pic>
       <p:pic>
         <p:nvPicPr>
-          <p:cNvPr id="16" name="Picture 15">
+          <p:cNvPr id="4" name="Picture 3">
             <a:extLst>
               <a:ext uri="{FF2B5EF4-FFF2-40B4-BE49-F238E27FC236}">
-                <a16:creationId xmlns:a16="http://schemas.microsoft.com/office/drawing/2014/main" id="{C0330F7F-233D-4FC3-A67D-51C50E8B0AF3}"/>
+                <a16:creationId xmlns:a16="http://schemas.microsoft.com/office/drawing/2014/main" id="{BB8EFEDD-591A-4590-9C9A-4451AC718C7D}"/>
               </a:ext>
             </a:extLst>
           </p:cNvPr>
@@ -13540,15 +13466,16 @@
           </p:cNvPicPr>
           <p:nvPr/>
         </p:nvPicPr>
-        <p:blipFill rotWithShape="1">
+        <p:blipFill>
           <a:blip r:embed="rId4"/>
-          <a:srcRect b="1677"/>
-          <a:stretch/>
+          <a:stretch>
+            <a:fillRect/>
+          </a:stretch>
         </p:blipFill>
         <p:spPr>
           <a:xfrm>
-            <a:off x="6096000" y="2416034"/>
-            <a:ext cx="5445243" cy="3884739"/>
+            <a:off x="6008884" y="2416034"/>
+            <a:ext cx="5957806" cy="3763438"/>
           </a:xfrm>
           <a:prstGeom prst="rect">
             <a:avLst/>
@@ -13565,14 +13492,6 @@
   <p:clrMapOvr>
     <a:masterClrMapping/>
   </p:clrMapOvr>
-  <mc:AlternateContent xmlns:mc="http://schemas.openxmlformats.org/markup-compatibility/2006">
-    <mc:Choice xmlns:p14="http://schemas.microsoft.com/office/powerpoint/2010/main" Requires="p14">
-      <p:transition spd="slow" p14:dur="2000" advTm="15000"/>
-    </mc:Choice>
-    <mc:Fallback>
-      <p:transition spd="slow" advTm="15000"/>
-    </mc:Fallback>
-  </mc:AlternateContent>
 </p:sld>
 </file>
 
@@ -13696,14 +13615,6 @@
   <p:clrMapOvr>
     <a:masterClrMapping/>
   </p:clrMapOvr>
-  <mc:AlternateContent xmlns:mc="http://schemas.openxmlformats.org/markup-compatibility/2006">
-    <mc:Choice xmlns:p14="http://schemas.microsoft.com/office/powerpoint/2010/main" Requires="p14">
-      <p:transition spd="slow" p14:dur="2000" advTm="15000"/>
-    </mc:Choice>
-    <mc:Fallback>
-      <p:transition spd="slow" advTm="15000"/>
-    </mc:Fallback>
-  </mc:AlternateContent>
 </p:sld>
 </file>
 
@@ -13934,14 +13845,6 @@
   <p:clrMapOvr>
     <a:masterClrMapping/>
   </p:clrMapOvr>
-  <mc:AlternateContent xmlns:mc="http://schemas.openxmlformats.org/markup-compatibility/2006">
-    <mc:Choice xmlns:p14="http://schemas.microsoft.com/office/powerpoint/2010/main" Requires="p14">
-      <p:transition spd="slow" p14:dur="2000" advTm="15000"/>
-    </mc:Choice>
-    <mc:Fallback>
-      <p:transition spd="slow" advTm="15000"/>
-    </mc:Fallback>
-  </mc:AlternateContent>
 </p:sld>
 </file>
 

--- a/project_3/Project_3_Kumeresh_Investing_vs_Entrepreneur.pptx
+++ b/project_3/Project_3_Kumeresh_Investing_vs_Entrepreneur.pptx
@@ -5,7 +5,7 @@
     <p:sldMasterId id="2147483746" r:id="rId1"/>
   </p:sldMasterIdLst>
   <p:notesMasterIdLst>
-    <p:notesMasterId r:id="rId20"/>
+    <p:notesMasterId r:id="rId21"/>
   </p:notesMasterIdLst>
   <p:sldIdLst>
     <p:sldId id="257" r:id="rId2"/>
@@ -24,8 +24,9 @@
     <p:sldId id="274" r:id="rId15"/>
     <p:sldId id="275" r:id="rId16"/>
     <p:sldId id="272" r:id="rId17"/>
-    <p:sldId id="271" r:id="rId18"/>
-    <p:sldId id="267" r:id="rId19"/>
+    <p:sldId id="277" r:id="rId18"/>
+    <p:sldId id="271" r:id="rId19"/>
+    <p:sldId id="267" r:id="rId20"/>
   </p:sldIdLst>
   <p:sldSz cx="12192000" cy="6858000"/>
   <p:notesSz cx="6858000" cy="9144000"/>
@@ -161,6 +162,7 @@
         <p14:section name="Conclusion" id="{32125E34-8D24-4596-A0D4-294F13296A9F}">
           <p14:sldIdLst>
             <p14:sldId id="272"/>
+            <p14:sldId id="277"/>
             <p14:sldId id="271"/>
             <p14:sldId id="267"/>
           </p14:sldIdLst>
@@ -169,6 +171,9 @@
     </p:ext>
     <p:ext uri="{EFAFB233-063F-42B5-8137-9DF3F51BA10A}">
       <p15:sldGuideLst xmlns:p15="http://schemas.microsoft.com/office/powerpoint/2012/main"/>
+    </p:ext>
+    <p:ext uri="{2D200454-40CA-4A62-9FC3-DE9A4176ACB9}">
+      <p15:notesGuideLst xmlns:p15="http://schemas.microsoft.com/office/powerpoint/2012/main"/>
     </p:ext>
   </p:extLst>
 </p:presentation>
@@ -885,7 +890,7 @@
           <a:p>
             <a:fld id="{5422E029-CE0B-48DE-9570-40AC4CB4A6BF}" type="slidenum">
               <a:rPr lang="en-SG" smtClean="0"/>
-              <a:t>18</a:t>
+              <a:t>19</a:t>
             </a:fld>
             <a:endParaRPr lang="en-SG"/>
           </a:p>
@@ -5605,7 +5610,7 @@
           <a:p>
             <a:r>
               <a:rPr lang="en-US" dirty="0"/>
-              <a:t>Baseline Score		</a:t>
+              <a:t>Baseline accuracy Score		</a:t>
             </a:r>
             <a:endParaRPr lang="en-SG" dirty="0"/>
           </a:p>
@@ -10667,6 +10672,174 @@
 </file>
 
 <file path=ppt/slides/slide17.xml><?xml version="1.0" encoding="utf-8"?>
+<p:sld xmlns:a="http://schemas.openxmlformats.org/drawingml/2006/main" xmlns:r="http://schemas.openxmlformats.org/officeDocument/2006/relationships" xmlns:p="http://schemas.openxmlformats.org/presentationml/2006/main">
+  <p:cSld>
+    <p:spTree>
+      <p:nvGrpSpPr>
+        <p:cNvPr id="1" name=""/>
+        <p:cNvGrpSpPr/>
+        <p:nvPr/>
+      </p:nvGrpSpPr>
+      <p:grpSpPr>
+        <a:xfrm>
+          <a:off x="0" y="0"/>
+          <a:ext cx="0" cy="0"/>
+          <a:chOff x="0" y="0"/>
+          <a:chExt cx="0" cy="0"/>
+        </a:xfrm>
+      </p:grpSpPr>
+      <p:sp>
+        <p:nvSpPr>
+          <p:cNvPr id="2" name="TextBox 1">
+            <a:extLst>
+              <a:ext uri="{FF2B5EF4-FFF2-40B4-BE49-F238E27FC236}">
+                <a16:creationId xmlns:a16="http://schemas.microsoft.com/office/drawing/2014/main" id="{40097CDE-8583-4433-9751-5DAA4A281B9B}"/>
+              </a:ext>
+            </a:extLst>
+          </p:cNvPr>
+          <p:cNvSpPr txBox="1"/>
+          <p:nvPr/>
+        </p:nvSpPr>
+        <p:spPr>
+          <a:xfrm>
+            <a:off x="2393795" y="1527716"/>
+            <a:ext cx="7404410" cy="1292662"/>
+          </a:xfrm>
+          <a:prstGeom prst="rect">
+            <a:avLst/>
+          </a:prstGeom>
+          <a:noFill/>
+        </p:spPr>
+        <p:txBody>
+          <a:bodyPr wrap="square" rtlCol="0">
+            <a:spAutoFit/>
+          </a:bodyPr>
+          <a:lstStyle/>
+          <a:p>
+            <a:pPr algn="ctr"/>
+            <a:r>
+              <a:rPr lang="en-US" sz="6000" dirty="0"/>
+              <a:t>END</a:t>
+            </a:r>
+          </a:p>
+          <a:p>
+            <a:pPr algn="ctr"/>
+            <a:r>
+              <a:rPr lang="en-SG" dirty="0"/>
+              <a:t>Any questions?</a:t>
+            </a:r>
+            <a:endParaRPr lang="en-US" dirty="0"/>
+          </a:p>
+        </p:txBody>
+      </p:sp>
+      <p:pic>
+        <p:nvPicPr>
+          <p:cNvPr id="1026" name="Picture 2" descr="How Singapore is a Global Hot Spot for Entrepreneurship - AccountIT  Consultant Pte Ltd">
+            <a:extLst>
+              <a:ext uri="{FF2B5EF4-FFF2-40B4-BE49-F238E27FC236}">
+                <a16:creationId xmlns:a16="http://schemas.microsoft.com/office/drawing/2014/main" id="{BEC2BC06-02EF-4EAF-981F-26316D599FC9}"/>
+              </a:ext>
+            </a:extLst>
+          </p:cNvPr>
+          <p:cNvPicPr>
+            <a:picLocks noChangeAspect="1" noChangeArrowheads="1"/>
+          </p:cNvPicPr>
+          <p:nvPr/>
+        </p:nvPicPr>
+        <p:blipFill>
+          <a:blip r:embed="rId2">
+            <a:extLst>
+              <a:ext uri="{28A0092B-C50C-407E-A947-70E740481C1C}">
+                <a14:useLocalDpi xmlns:a14="http://schemas.microsoft.com/office/drawing/2010/main" val="0"/>
+              </a:ext>
+            </a:extLst>
+          </a:blip>
+          <a:srcRect/>
+          <a:stretch>
+            <a:fillRect/>
+          </a:stretch>
+        </p:blipFill>
+        <p:spPr bwMode="auto">
+          <a:xfrm>
+            <a:off x="212337" y="3429000"/>
+            <a:ext cx="3857857" cy="2755612"/>
+          </a:xfrm>
+          <a:prstGeom prst="rect">
+            <a:avLst/>
+          </a:prstGeom>
+          <a:noFill/>
+          <a:extLst>
+            <a:ext uri="{909E8E84-426E-40DD-AFC4-6F175D3DCCD1}">
+              <a14:hiddenFill xmlns:a14="http://schemas.microsoft.com/office/drawing/2010/main">
+                <a:solidFill>
+                  <a:srgbClr val="FFFFFF"/>
+                </a:solidFill>
+              </a14:hiddenFill>
+            </a:ext>
+          </a:extLst>
+        </p:spPr>
+      </p:pic>
+      <p:pic>
+        <p:nvPicPr>
+          <p:cNvPr id="1028" name="Picture 4" descr="How to Start Investing in 2020: A Complete Guide for Beginners">
+            <a:extLst>
+              <a:ext uri="{FF2B5EF4-FFF2-40B4-BE49-F238E27FC236}">
+                <a16:creationId xmlns:a16="http://schemas.microsoft.com/office/drawing/2014/main" id="{4C427266-0500-4850-AA1C-6062E97A561E}"/>
+              </a:ext>
+            </a:extLst>
+          </p:cNvPr>
+          <p:cNvPicPr>
+            <a:picLocks noChangeAspect="1" noChangeArrowheads="1"/>
+          </p:cNvPicPr>
+          <p:nvPr/>
+        </p:nvPicPr>
+        <p:blipFill>
+          <a:blip r:embed="rId3">
+            <a:extLst>
+              <a:ext uri="{28A0092B-C50C-407E-A947-70E740481C1C}">
+                <a14:useLocalDpi xmlns:a14="http://schemas.microsoft.com/office/drawing/2010/main" val="0"/>
+              </a:ext>
+            </a:extLst>
+          </a:blip>
+          <a:srcRect/>
+          <a:stretch>
+            <a:fillRect/>
+          </a:stretch>
+        </p:blipFill>
+        <p:spPr bwMode="auto">
+          <a:xfrm>
+            <a:off x="7088045" y="3429000"/>
+            <a:ext cx="4891618" cy="2755612"/>
+          </a:xfrm>
+          <a:prstGeom prst="rect">
+            <a:avLst/>
+          </a:prstGeom>
+          <a:noFill/>
+          <a:extLst>
+            <a:ext uri="{909E8E84-426E-40DD-AFC4-6F175D3DCCD1}">
+              <a14:hiddenFill xmlns:a14="http://schemas.microsoft.com/office/drawing/2010/main">
+                <a:solidFill>
+                  <a:srgbClr val="FFFFFF"/>
+                </a:solidFill>
+              </a14:hiddenFill>
+            </a:ext>
+          </a:extLst>
+        </p:spPr>
+      </p:pic>
+    </p:spTree>
+    <p:extLst>
+      <p:ext uri="{BB962C8B-B14F-4D97-AF65-F5344CB8AC3E}">
+        <p14:creationId xmlns:p14="http://schemas.microsoft.com/office/powerpoint/2010/main" val="765389773"/>
+      </p:ext>
+    </p:extLst>
+  </p:cSld>
+  <p:clrMapOvr>
+    <a:masterClrMapping/>
+  </p:clrMapOvr>
+</p:sld>
+</file>
+
+<file path=ppt/slides/slide18.xml><?xml version="1.0" encoding="utf-8"?>
 <p:sld xmlns:a="http://schemas.openxmlformats.org/drawingml/2006/main" xmlns:r="http://schemas.openxmlformats.org/officeDocument/2006/relationships" xmlns:p="http://schemas.openxmlformats.org/presentationml/2006/main" show="0">
   <p:cSld>
     <p:spTree>
@@ -10750,7 +10923,7 @@
 </p:sld>
 </file>
 
-<file path=ppt/slides/slide18.xml><?xml version="1.0" encoding="utf-8"?>
+<file path=ppt/slides/slide19.xml><?xml version="1.0" encoding="utf-8"?>
 <p:sld xmlns:a="http://schemas.openxmlformats.org/drawingml/2006/main" xmlns:r="http://schemas.openxmlformats.org/officeDocument/2006/relationships" xmlns:p="http://schemas.openxmlformats.org/presentationml/2006/main" show="0">
   <p:cSld>
     <p:spTree>
@@ -12413,7 +12586,7 @@
             </a:pPr>
             <a:r>
               <a:rPr lang="en-US" dirty="0"/>
-              <a:t>Conclusion</a:t>
+              <a:t>Conclusion and recommendation</a:t>
             </a:r>
             <a:endParaRPr lang="en-SG" dirty="0"/>
           </a:p>

--- a/project_3/Project_3_Kumeresh_Investing_vs_Entrepreneur.pptx
+++ b/project_3/Project_3_Kumeresh_Investing_vs_Entrepreneur.pptx
@@ -12958,6 +12958,53 @@
           <a:prstGeom prst="rect">
             <a:avLst/>
           </a:prstGeom>
+        </p:spPr>
+      </p:pic>
+      <p:pic>
+        <p:nvPicPr>
+          <p:cNvPr id="1026" name="Picture 2" descr="Exploring Reddit's 'Ask Me Anything' Using the PRAW API Wrapper | by  Alexander Shropshire | Towards Data Science">
+            <a:extLst>
+              <a:ext uri="{FF2B5EF4-FFF2-40B4-BE49-F238E27FC236}">
+                <a16:creationId xmlns:a16="http://schemas.microsoft.com/office/drawing/2014/main" id="{420F1F12-1C8F-4DD2-9EE6-C98D8E13BAC7}"/>
+              </a:ext>
+            </a:extLst>
+          </p:cNvPr>
+          <p:cNvPicPr>
+            <a:picLocks noChangeAspect="1" noChangeArrowheads="1"/>
+          </p:cNvPicPr>
+          <p:nvPr/>
+        </p:nvPicPr>
+        <p:blipFill>
+          <a:blip r:embed="rId4">
+            <a:extLst>
+              <a:ext uri="{28A0092B-C50C-407E-A947-70E740481C1C}">
+                <a14:useLocalDpi xmlns:a14="http://schemas.microsoft.com/office/drawing/2010/main" val="0"/>
+              </a:ext>
+            </a:extLst>
+          </a:blip>
+          <a:srcRect/>
+          <a:stretch>
+            <a:fillRect/>
+          </a:stretch>
+        </p:blipFill>
+        <p:spPr bwMode="auto">
+          <a:xfrm>
+            <a:off x="1263559" y="3787967"/>
+            <a:ext cx="3028950" cy="1514475"/>
+          </a:xfrm>
+          <a:prstGeom prst="rect">
+            <a:avLst/>
+          </a:prstGeom>
+          <a:noFill/>
+          <a:extLst>
+            <a:ext uri="{909E8E84-426E-40DD-AFC4-6F175D3DCCD1}">
+              <a14:hiddenFill xmlns:a14="http://schemas.microsoft.com/office/drawing/2010/main">
+                <a:solidFill>
+                  <a:srgbClr val="FFFFFF"/>
+                </a:solidFill>
+              </a14:hiddenFill>
+            </a:ext>
+          </a:extLst>
         </p:spPr>
       </p:pic>
     </p:spTree>

--- a/project_3/Project_3_Kumeresh_Investing_vs_Entrepreneur.pptx
+++ b/project_3/Project_3_Kumeresh_Investing_vs_Entrepreneur.pptx
@@ -15,7 +15,7 @@
     <p:sldId id="262" r:id="rId6"/>
     <p:sldId id="263" r:id="rId7"/>
     <p:sldId id="264" r:id="rId8"/>
-    <p:sldId id="265" r:id="rId9"/>
+    <p:sldId id="278" r:id="rId9"/>
     <p:sldId id="266" r:id="rId10"/>
     <p:sldId id="276" r:id="rId11"/>
     <p:sldId id="269" r:id="rId12"/>
@@ -141,7 +141,7 @@
         <p14:section name="EDA" id="{12379E3E-AF45-430F-BE92-B07D320E0EE4}">
           <p14:sldIdLst>
             <p14:sldId id="264"/>
-            <p14:sldId id="265"/>
+            <p14:sldId id="278"/>
             <p14:sldId id="266"/>
           </p14:sldIdLst>
         </p14:section>
@@ -657,100 +657,6 @@
           <a:bodyPr/>
           <a:lstStyle/>
           <a:p>
-            <a:r>
-              <a:rPr lang="en-US" dirty="0"/>
-              <a:t>Confusion Matrix, breaking it down into actual numbers.</a:t>
-            </a:r>
-          </a:p>
-          <a:p>
-            <a:r>
-              <a:rPr lang="en-SG" dirty="0"/>
-              <a:t>All of them outperformed the baseline score of  0.58</a:t>
-            </a:r>
-            <a:endParaRPr lang="en-US" dirty="0"/>
-          </a:p>
-        </p:txBody>
-      </p:sp>
-      <p:sp>
-        <p:nvSpPr>
-          <p:cNvPr id="4" name="Slide Number Placeholder 3"/>
-          <p:cNvSpPr>
-            <a:spLocks noGrp="1"/>
-          </p:cNvSpPr>
-          <p:nvPr>
-            <p:ph type="sldNum" sz="quarter" idx="5"/>
-          </p:nvPr>
-        </p:nvSpPr>
-        <p:spPr/>
-        <p:txBody>
-          <a:bodyPr/>
-          <a:lstStyle/>
-          <a:p>
-            <a:fld id="{5422E029-CE0B-48DE-9570-40AC4CB4A6BF}" type="slidenum">
-              <a:rPr lang="en-SG" smtClean="0"/>
-              <a:t>14</a:t>
-            </a:fld>
-            <a:endParaRPr lang="en-SG"/>
-          </a:p>
-        </p:txBody>
-      </p:sp>
-    </p:spTree>
-    <p:extLst>
-      <p:ext uri="{BB962C8B-B14F-4D97-AF65-F5344CB8AC3E}">
-        <p14:creationId xmlns:p14="http://schemas.microsoft.com/office/powerpoint/2010/main" val="1508071979"/>
-      </p:ext>
-    </p:extLst>
-  </p:cSld>
-  <p:clrMapOvr>
-    <a:masterClrMapping/>
-  </p:clrMapOvr>
-</p:notes>
-</file>
-
-<file path=ppt/notesSlides/notesSlide11.xml><?xml version="1.0" encoding="utf-8"?>
-<p:notes xmlns:a="http://schemas.openxmlformats.org/drawingml/2006/main" xmlns:r="http://schemas.openxmlformats.org/officeDocument/2006/relationships" xmlns:p="http://schemas.openxmlformats.org/presentationml/2006/main">
-  <p:cSld>
-    <p:spTree>
-      <p:nvGrpSpPr>
-        <p:cNvPr id="1" name=""/>
-        <p:cNvGrpSpPr/>
-        <p:nvPr/>
-      </p:nvGrpSpPr>
-      <p:grpSpPr>
-        <a:xfrm>
-          <a:off x="0" y="0"/>
-          <a:ext cx="0" cy="0"/>
-          <a:chOff x="0" y="0"/>
-          <a:chExt cx="0" cy="0"/>
-        </a:xfrm>
-      </p:grpSpPr>
-      <p:sp>
-        <p:nvSpPr>
-          <p:cNvPr id="2" name="Slide Image Placeholder 1"/>
-          <p:cNvSpPr>
-            <a:spLocks noGrp="1" noRot="1" noChangeAspect="1"/>
-          </p:cNvSpPr>
-          <p:nvPr>
-            <p:ph type="sldImg"/>
-          </p:nvPr>
-        </p:nvSpPr>
-        <p:spPr/>
-      </p:sp>
-      <p:sp>
-        <p:nvSpPr>
-          <p:cNvPr id="3" name="Notes Placeholder 2"/>
-          <p:cNvSpPr>
-            <a:spLocks noGrp="1"/>
-          </p:cNvSpPr>
-          <p:nvPr>
-            <p:ph type="body" idx="1"/>
-          </p:nvPr>
-        </p:nvSpPr>
-        <p:spPr/>
-        <p:txBody>
-          <a:bodyPr/>
-          <a:lstStyle/>
-          <a:p>
             <a:pPr marL="0" marR="0" lvl="0" indent="0" algn="l" defTabSz="914400" rtl="0" eaLnBrk="1" fontAlgn="auto" latinLnBrk="0" hangingPunct="1">
               <a:lnSpc>
                 <a:spcPct val="100000"/>
@@ -821,7 +727,7 @@
 </p:notes>
 </file>
 
-<file path=ppt/notesSlides/notesSlide12.xml><?xml version="1.0" encoding="utf-8"?>
+<file path=ppt/notesSlides/notesSlide11.xml><?xml version="1.0" encoding="utf-8"?>
 <p:notes xmlns:a="http://schemas.openxmlformats.org/drawingml/2006/main" xmlns:r="http://schemas.openxmlformats.org/officeDocument/2006/relationships" xmlns:p="http://schemas.openxmlformats.org/presentationml/2006/main">
   <p:cSld>
     <p:spTree>
@@ -1313,7 +1219,13 @@
           <a:p>
             <a:r>
               <a:rPr lang="en-US" dirty="0"/>
-              <a:t>Most users in both subreddit post during the late afternoon and evening.</a:t>
+              <a:t>Confusion Matrix, breaking it down into actual numbers.</a:t>
+            </a:r>
+          </a:p>
+          <a:p>
+            <a:r>
+              <a:rPr lang="en-US" dirty="0"/>
+              <a:t>Confusion matrix is for TFIDF as it’s the better score</a:t>
             </a:r>
             <a:endParaRPr lang="en-SG" dirty="0"/>
           </a:p>
@@ -1336,7 +1248,7 @@
           <a:p>
             <a:fld id="{5422E029-CE0B-48DE-9570-40AC4CB4A6BF}" type="slidenum">
               <a:rPr lang="en-SG" smtClean="0"/>
-              <a:t>8</a:t>
+              <a:t>11</a:t>
             </a:fld>
             <a:endParaRPr lang="en-SG"/>
           </a:p>
@@ -1345,7 +1257,7 @@
     </p:spTree>
     <p:extLst>
       <p:ext uri="{BB962C8B-B14F-4D97-AF65-F5344CB8AC3E}">
-        <p14:creationId xmlns:p14="http://schemas.microsoft.com/office/powerpoint/2010/main" val="1392395169"/>
+        <p14:creationId xmlns:p14="http://schemas.microsoft.com/office/powerpoint/2010/main" val="2820658442"/>
       </p:ext>
     </p:extLst>
   </p:cSld>
@@ -1401,13 +1313,7 @@
           <a:p>
             <a:r>
               <a:rPr lang="en-US" dirty="0"/>
-              <a:t>Confusion Matrix, breaking it down into actual numbers.</a:t>
-            </a:r>
-          </a:p>
-          <a:p>
-            <a:r>
-              <a:rPr lang="en-US" dirty="0"/>
-              <a:t>Confusion matrix is for TFIDF as it’s the better score</a:t>
+              <a:t>Words such as business are shown to have strong coefficient values.</a:t>
             </a:r>
             <a:endParaRPr lang="en-SG" dirty="0"/>
           </a:p>
@@ -1430,7 +1336,7 @@
           <a:p>
             <a:fld id="{5422E029-CE0B-48DE-9570-40AC4CB4A6BF}" type="slidenum">
               <a:rPr lang="en-SG" smtClean="0"/>
-              <a:t>11</a:t>
+              <a:t>12</a:t>
             </a:fld>
             <a:endParaRPr lang="en-SG"/>
           </a:p>
@@ -1439,7 +1345,7 @@
     </p:spTree>
     <p:extLst>
       <p:ext uri="{BB962C8B-B14F-4D97-AF65-F5344CB8AC3E}">
-        <p14:creationId xmlns:p14="http://schemas.microsoft.com/office/powerpoint/2010/main" val="2820658442"/>
+        <p14:creationId xmlns:p14="http://schemas.microsoft.com/office/powerpoint/2010/main" val="3092015927"/>
       </p:ext>
     </p:extLst>
   </p:cSld>
@@ -1495,7 +1401,7 @@
           <a:p>
             <a:r>
               <a:rPr lang="en-US" dirty="0"/>
-              <a:t>Words such as business are shown to have strong coefficient values.</a:t>
+              <a:t>Example: For every unit increase in the business token, the post is 3.1 times likely to represent the entrepreneur class.</a:t>
             </a:r>
             <a:endParaRPr lang="en-SG" dirty="0"/>
           </a:p>
@@ -1518,7 +1424,7 @@
           <a:p>
             <a:fld id="{5422E029-CE0B-48DE-9570-40AC4CB4A6BF}" type="slidenum">
               <a:rPr lang="en-SG" smtClean="0"/>
-              <a:t>12</a:t>
+              <a:t>13</a:t>
             </a:fld>
             <a:endParaRPr lang="en-SG"/>
           </a:p>
@@ -1527,7 +1433,7 @@
     </p:spTree>
     <p:extLst>
       <p:ext uri="{BB962C8B-B14F-4D97-AF65-F5344CB8AC3E}">
-        <p14:creationId xmlns:p14="http://schemas.microsoft.com/office/powerpoint/2010/main" val="3092015927"/>
+        <p14:creationId xmlns:p14="http://schemas.microsoft.com/office/powerpoint/2010/main" val="1600089668"/>
       </p:ext>
     </p:extLst>
   </p:cSld>
@@ -1583,9 +1489,15 @@
           <a:p>
             <a:r>
               <a:rPr lang="en-US" dirty="0"/>
-              <a:t>Example: For every unit increase in the business token, the post is 3.1 times likely to represent the entrepreneur class.</a:t>
-            </a:r>
-            <a:endParaRPr lang="en-SG" dirty="0"/>
+              <a:t>Confusion Matrix, breaking it down into actual numbers.</a:t>
+            </a:r>
+          </a:p>
+          <a:p>
+            <a:r>
+              <a:rPr lang="en-SG" dirty="0"/>
+              <a:t>All of them outperformed the baseline score of  0.58</a:t>
+            </a:r>
+            <a:endParaRPr lang="en-US" dirty="0"/>
           </a:p>
         </p:txBody>
       </p:sp>
@@ -1606,7 +1518,7 @@
           <a:p>
             <a:fld id="{5422E029-CE0B-48DE-9570-40AC4CB4A6BF}" type="slidenum">
               <a:rPr lang="en-SG" smtClean="0"/>
-              <a:t>13</a:t>
+              <a:t>14</a:t>
             </a:fld>
             <a:endParaRPr lang="en-SG"/>
           </a:p>
@@ -1615,7 +1527,7 @@
     </p:spTree>
     <p:extLst>
       <p:ext uri="{BB962C8B-B14F-4D97-AF65-F5344CB8AC3E}">
-        <p14:creationId xmlns:p14="http://schemas.microsoft.com/office/powerpoint/2010/main" val="1600089668"/>
+        <p14:creationId xmlns:p14="http://schemas.microsoft.com/office/powerpoint/2010/main" val="1508071979"/>
       </p:ext>
     </p:extLst>
   </p:cSld>
@@ -12705,7 +12617,7 @@
         <p:spPr>
           <a:xfrm>
             <a:off x="1097280" y="2296215"/>
-            <a:ext cx="9922498" cy="2062103"/>
+            <a:ext cx="9922498" cy="2554545"/>
           </a:xfrm>
           <a:prstGeom prst="rect">
             <a:avLst/>
@@ -12720,7 +12632,7 @@
           <a:p>
             <a:r>
               <a:rPr lang="en-US" sz="3200" dirty="0"/>
-              <a:t>To assist the moderators of the entrepreneur subreddit with filtering posts that from the investing subreddit. The problem is solved through creating a classification-based model to separate these posts.</a:t>
+              <a:t>As a data scientist working in reddit, I’m tasked to assist the moderators of the entrepreneur subreddit with filtering posts that are from the investing subreddit. The problem is solved through creating a classification-based model to separate these posts.</a:t>
             </a:r>
             <a:endParaRPr lang="en-SG" sz="3200" dirty="0"/>
           </a:p>
@@ -13645,10 +13557,10 @@
       </p:sp>
       <p:pic>
         <p:nvPicPr>
-          <p:cNvPr id="12" name="Picture 11">
+          <p:cNvPr id="3" name="Picture 2">
             <a:extLst>
               <a:ext uri="{FF2B5EF4-FFF2-40B4-BE49-F238E27FC236}">
-                <a16:creationId xmlns:a16="http://schemas.microsoft.com/office/drawing/2014/main" id="{EEFA3DED-331D-449D-96FC-D149E33F8553}"/>
+                <a16:creationId xmlns:a16="http://schemas.microsoft.com/office/drawing/2014/main" id="{D4302300-ED90-4620-9253-7D394B2D240B}"/>
               </a:ext>
             </a:extLst>
           </p:cNvPr>
@@ -13657,15 +13569,16 @@
           </p:cNvPicPr>
           <p:nvPr/>
         </p:nvPicPr>
-        <p:blipFill rotWithShape="1">
+        <p:blipFill>
           <a:blip r:embed="rId3"/>
-          <a:srcRect l="6074"/>
-          <a:stretch/>
+          <a:stretch>
+            <a:fillRect/>
+          </a:stretch>
         </p:blipFill>
         <p:spPr>
           <a:xfrm>
-            <a:off x="650757" y="2416034"/>
-            <a:ext cx="5023661" cy="3951019"/>
+            <a:off x="671513" y="2416034"/>
+            <a:ext cx="5542436" cy="3475315"/>
           </a:xfrm>
           <a:prstGeom prst="rect">
             <a:avLst/>
@@ -13674,10 +13587,10 @@
       </p:pic>
       <p:pic>
         <p:nvPicPr>
-          <p:cNvPr id="4" name="Picture 3">
+          <p:cNvPr id="5" name="Picture 4">
             <a:extLst>
               <a:ext uri="{FF2B5EF4-FFF2-40B4-BE49-F238E27FC236}">
-                <a16:creationId xmlns:a16="http://schemas.microsoft.com/office/drawing/2014/main" id="{BB8EFEDD-591A-4590-9C9A-4451AC718C7D}"/>
+                <a16:creationId xmlns:a16="http://schemas.microsoft.com/office/drawing/2014/main" id="{A1800A20-924D-4795-8508-D9D97F316C49}"/>
               </a:ext>
             </a:extLst>
           </p:cNvPr>
@@ -13694,8 +13607,8 @@
         </p:blipFill>
         <p:spPr>
           <a:xfrm>
-            <a:off x="6008884" y="2416034"/>
-            <a:ext cx="5957806" cy="3763438"/>
+            <a:off x="6609236" y="2416033"/>
+            <a:ext cx="4990611" cy="3475315"/>
           </a:xfrm>
           <a:prstGeom prst="rect">
             <a:avLst/>
@@ -13734,10 +13647,10 @@
       </p:grpSpPr>
       <p:sp>
         <p:nvSpPr>
-          <p:cNvPr id="10" name="Title 1">
+          <p:cNvPr id="2" name="Title 1">
             <a:extLst>
               <a:ext uri="{FF2B5EF4-FFF2-40B4-BE49-F238E27FC236}">
-                <a16:creationId xmlns:a16="http://schemas.microsoft.com/office/drawing/2014/main" id="{16848C77-8E12-4089-8D61-14CBAE4F48B7}"/>
+                <a16:creationId xmlns:a16="http://schemas.microsoft.com/office/drawing/2014/main" id="{234F78E9-B84E-4BB0-A6A6-E0D5EE7CFDDE}"/>
               </a:ext>
             </a:extLst>
           </p:cNvPr>
@@ -13755,13 +13668,16 @@
           </a:xfrm>
         </p:spPr>
         <p:txBody>
-          <a:bodyPr/>
+          <a:bodyPr anchor="b">
+            <a:normAutofit/>
+          </a:bodyPr>
           <a:lstStyle/>
           <a:p>
             <a:r>
               <a:rPr lang="en-US" dirty="0"/>
-              <a:t>Exploratory Data Analysis: Frequency of posts by the hour</a:t>
-            </a:r>
+              <a:t>Exploratory Data Analysis: Length of post distribution</a:t>
+            </a:r>
+            <a:endParaRPr lang="en-SG" dirty="0"/>
           </a:p>
         </p:txBody>
       </p:sp>
@@ -13770,7 +13686,38 @@
           <p:cNvPr id="7" name="Picture 6">
             <a:extLst>
               <a:ext uri="{FF2B5EF4-FFF2-40B4-BE49-F238E27FC236}">
-                <a16:creationId xmlns:a16="http://schemas.microsoft.com/office/drawing/2014/main" id="{C3056E26-C6B1-4760-BE2D-87871E0F0E5F}"/>
+                <a16:creationId xmlns:a16="http://schemas.microsoft.com/office/drawing/2014/main" id="{CC8CCA07-DB0E-46EF-9A2B-AA4E714EBE30}"/>
+              </a:ext>
+            </a:extLst>
+          </p:cNvPr>
+          <p:cNvPicPr>
+            <a:picLocks noChangeAspect="1"/>
+          </p:cNvPicPr>
+          <p:nvPr/>
+        </p:nvPicPr>
+        <p:blipFill>
+          <a:blip r:embed="rId2"/>
+          <a:stretch>
+            <a:fillRect/>
+          </a:stretch>
+        </p:blipFill>
+        <p:spPr>
+          <a:xfrm>
+            <a:off x="272954" y="2042886"/>
+            <a:ext cx="5853526" cy="3760891"/>
+          </a:xfrm>
+          <a:prstGeom prst="rect">
+            <a:avLst/>
+          </a:prstGeom>
+          <a:noFill/>
+        </p:spPr>
+      </p:pic>
+      <p:pic>
+        <p:nvPicPr>
+          <p:cNvPr id="8" name="Picture 7">
+            <a:extLst>
+              <a:ext uri="{FF2B5EF4-FFF2-40B4-BE49-F238E27FC236}">
+                <a16:creationId xmlns:a16="http://schemas.microsoft.com/office/drawing/2014/main" id="{11C120C9-1156-4F43-81A1-2DD1A7680975}"/>
               </a:ext>
             </a:extLst>
           </p:cNvPr>
@@ -13787,48 +13734,57 @@
         </p:blipFill>
         <p:spPr>
           <a:xfrm>
-            <a:off x="510365" y="2463884"/>
-            <a:ext cx="5433215" cy="3062225"/>
+            <a:off x="6336489" y="1915265"/>
+            <a:ext cx="5783215" cy="3888512"/>
           </a:xfrm>
           <a:prstGeom prst="rect">
             <a:avLst/>
           </a:prstGeom>
         </p:spPr>
       </p:pic>
-      <p:pic>
-        <p:nvPicPr>
-          <p:cNvPr id="13" name="Picture 12">
+      <p:sp>
+        <p:nvSpPr>
+          <p:cNvPr id="9" name="TextBox 8">
             <a:extLst>
               <a:ext uri="{FF2B5EF4-FFF2-40B4-BE49-F238E27FC236}">
-                <a16:creationId xmlns:a16="http://schemas.microsoft.com/office/drawing/2014/main" id="{CC87AAA5-5141-4E9F-B176-9EC4DEBC6C73}"/>
+                <a16:creationId xmlns:a16="http://schemas.microsoft.com/office/drawing/2014/main" id="{4408CF57-A539-4F47-8B95-133BB75CADFD}"/>
               </a:ext>
             </a:extLst>
           </p:cNvPr>
-          <p:cNvPicPr>
-            <a:picLocks noChangeAspect="1"/>
-          </p:cNvPicPr>
+          <p:cNvSpPr txBox="1"/>
           <p:nvPr/>
-        </p:nvPicPr>
-        <p:blipFill>
-          <a:blip r:embed="rId4"/>
-          <a:stretch>
-            <a:fillRect/>
-          </a:stretch>
-        </p:blipFill>
+        </p:nvSpPr>
         <p:spPr>
           <a:xfrm>
-            <a:off x="6424150" y="2463883"/>
-            <a:ext cx="5015181" cy="3062225"/>
+            <a:off x="679269" y="5803777"/>
+            <a:ext cx="11440435" cy="369332"/>
           </a:xfrm>
           <a:prstGeom prst="rect">
             <a:avLst/>
           </a:prstGeom>
+          <a:noFill/>
         </p:spPr>
-      </p:pic>
+        <p:txBody>
+          <a:bodyPr wrap="square" rtlCol="0">
+            <a:spAutoFit/>
+          </a:bodyPr>
+          <a:lstStyle/>
+          <a:p>
+            <a:pPr marL="285750" indent="-285750">
+              <a:buFont typeface="Wingdings" panose="05000000000000000000" pitchFamily="2" charset="2"/>
+              <a:buChar char="v"/>
+            </a:pPr>
+            <a:r>
+              <a:rPr lang="en-SG" dirty="0"/>
+              <a:t>Both show a right skewed posts, with an average 25 words per post </a:t>
+            </a:r>
+          </a:p>
+        </p:txBody>
+      </p:sp>
     </p:spTree>
     <p:extLst>
       <p:ext uri="{BB962C8B-B14F-4D97-AF65-F5344CB8AC3E}">
-        <p14:creationId xmlns:p14="http://schemas.microsoft.com/office/powerpoint/2010/main" val="3364004623"/>
+        <p14:creationId xmlns:p14="http://schemas.microsoft.com/office/powerpoint/2010/main" val="2687620529"/>
       </p:ext>
     </p:extLst>
   </p:cSld>
